--- a/ppt 16-9/1475.黑夜不能拦阻.pptx
+++ b/ppt 16-9/1475.黑夜不能拦阻.pptx
@@ -129,7 +129,7 @@
           <p:cNvPr id="2" name="标题 1">
             <a:extLst>
               <a:ext uri="{FF2B5EF4-FFF2-40B4-BE49-F238E27FC236}">
-                <a16:creationId xmlns:a16="http://schemas.microsoft.com/office/drawing/2014/main" id="{FCA3BAA3-04DF-1354-7365-11689CF3C6E8}"/>
+                <a16:creationId xmlns:a16="http://schemas.microsoft.com/office/drawing/2014/main" id="{B3B18F37-D2FC-3819-3ADC-9E2AA51845C9}"/>
               </a:ext>
             </a:extLst>
           </p:cNvPr>
@@ -166,7 +166,7 @@
           <p:cNvPr id="3" name="副标题 2">
             <a:extLst>
               <a:ext uri="{FF2B5EF4-FFF2-40B4-BE49-F238E27FC236}">
-                <a16:creationId xmlns:a16="http://schemas.microsoft.com/office/drawing/2014/main" id="{D627522E-E2E0-0063-836D-C18D0C736A1A}"/>
+                <a16:creationId xmlns:a16="http://schemas.microsoft.com/office/drawing/2014/main" id="{883772A4-F190-3D43-9245-E40025F9FD41}"/>
               </a:ext>
             </a:extLst>
           </p:cNvPr>
@@ -236,7 +236,7 @@
           <p:cNvPr id="4" name="日期占位符 3">
             <a:extLst>
               <a:ext uri="{FF2B5EF4-FFF2-40B4-BE49-F238E27FC236}">
-                <a16:creationId xmlns:a16="http://schemas.microsoft.com/office/drawing/2014/main" id="{AB4129A3-D2AC-7C70-39EF-2ADEEDC4EF30}"/>
+                <a16:creationId xmlns:a16="http://schemas.microsoft.com/office/drawing/2014/main" id="{CC3D5034-C233-D963-65A0-B420EEDDD49E}"/>
               </a:ext>
             </a:extLst>
           </p:cNvPr>
@@ -252,7 +252,7 @@
           <a:bodyPr/>
           <a:lstStyle/>
           <a:p>
-            <a:fld id="{F63FCA05-03D0-4B5D-981C-0BBAD3B5575D}" type="datetimeFigureOut">
+            <a:fld id="{59DAE64C-6AE0-449D-BDFA-502D927FFE89}" type="datetimeFigureOut">
               <a:rPr lang="zh-CN" altLang="en-US" smtClean="0"/>
               <a:t>2024/3/10</a:t>
             </a:fld>
@@ -265,7 +265,7 @@
           <p:cNvPr id="5" name="页脚占位符 4">
             <a:extLst>
               <a:ext uri="{FF2B5EF4-FFF2-40B4-BE49-F238E27FC236}">
-                <a16:creationId xmlns:a16="http://schemas.microsoft.com/office/drawing/2014/main" id="{F7A88F5B-F626-C4BF-0ABA-F3EEDA0D0620}"/>
+                <a16:creationId xmlns:a16="http://schemas.microsoft.com/office/drawing/2014/main" id="{6266EEDC-008C-3F02-114A-9DC31780FAE6}"/>
               </a:ext>
             </a:extLst>
           </p:cNvPr>
@@ -290,7 +290,7 @@
           <p:cNvPr id="6" name="灯片编号占位符 5">
             <a:extLst>
               <a:ext uri="{FF2B5EF4-FFF2-40B4-BE49-F238E27FC236}">
-                <a16:creationId xmlns:a16="http://schemas.microsoft.com/office/drawing/2014/main" id="{4F63B097-CAD1-066A-DDDB-14231FB9A958}"/>
+                <a16:creationId xmlns:a16="http://schemas.microsoft.com/office/drawing/2014/main" id="{50440B75-A9ED-ADBB-F30D-71A5FE030DD8}"/>
               </a:ext>
             </a:extLst>
           </p:cNvPr>
@@ -306,7 +306,7 @@
           <a:bodyPr/>
           <a:lstStyle/>
           <a:p>
-            <a:fld id="{48A4086E-9E1B-4838-84CD-1EBFDF61482F}" type="slidenum">
+            <a:fld id="{91430E07-6FFF-49A6-809F-E449346A05C6}" type="slidenum">
               <a:rPr lang="zh-CN" altLang="en-US" smtClean="0"/>
               <a:t>‹#›</a:t>
             </a:fld>
@@ -317,7 +317,7 @@
     </p:spTree>
     <p:extLst>
       <p:ext uri="{BB962C8B-B14F-4D97-AF65-F5344CB8AC3E}">
-        <p14:creationId xmlns:p14="http://schemas.microsoft.com/office/powerpoint/2010/main" val="4170960039"/>
+        <p14:creationId xmlns:p14="http://schemas.microsoft.com/office/powerpoint/2010/main" val="3353995078"/>
       </p:ext>
     </p:extLst>
   </p:cSld>
@@ -349,7 +349,7 @@
           <p:cNvPr id="2" name="标题 1">
             <a:extLst>
               <a:ext uri="{FF2B5EF4-FFF2-40B4-BE49-F238E27FC236}">
-                <a16:creationId xmlns:a16="http://schemas.microsoft.com/office/drawing/2014/main" id="{16487144-9D7A-8755-F183-464B8776F8DC}"/>
+                <a16:creationId xmlns:a16="http://schemas.microsoft.com/office/drawing/2014/main" id="{D014329E-E81A-E303-EA6A-46A174EFD097}"/>
               </a:ext>
             </a:extLst>
           </p:cNvPr>
@@ -377,7 +377,7 @@
           <p:cNvPr id="3" name="竖排文字占位符 2">
             <a:extLst>
               <a:ext uri="{FF2B5EF4-FFF2-40B4-BE49-F238E27FC236}">
-                <a16:creationId xmlns:a16="http://schemas.microsoft.com/office/drawing/2014/main" id="{53EB8DEB-F780-2936-9D5C-AF417ADD3D51}"/>
+                <a16:creationId xmlns:a16="http://schemas.microsoft.com/office/drawing/2014/main" id="{74E92B56-4D88-1C8B-F050-A549A3ED3450}"/>
               </a:ext>
             </a:extLst>
           </p:cNvPr>
@@ -434,7 +434,7 @@
           <p:cNvPr id="4" name="日期占位符 3">
             <a:extLst>
               <a:ext uri="{FF2B5EF4-FFF2-40B4-BE49-F238E27FC236}">
-                <a16:creationId xmlns:a16="http://schemas.microsoft.com/office/drawing/2014/main" id="{BB582CEC-A71F-23C3-2626-005047221953}"/>
+                <a16:creationId xmlns:a16="http://schemas.microsoft.com/office/drawing/2014/main" id="{E4B29B11-4F10-E322-14E2-9B15B3EC513E}"/>
               </a:ext>
             </a:extLst>
           </p:cNvPr>
@@ -450,7 +450,7 @@
           <a:bodyPr/>
           <a:lstStyle/>
           <a:p>
-            <a:fld id="{F63FCA05-03D0-4B5D-981C-0BBAD3B5575D}" type="datetimeFigureOut">
+            <a:fld id="{59DAE64C-6AE0-449D-BDFA-502D927FFE89}" type="datetimeFigureOut">
               <a:rPr lang="zh-CN" altLang="en-US" smtClean="0"/>
               <a:t>2024/3/10</a:t>
             </a:fld>
@@ -463,7 +463,7 @@
           <p:cNvPr id="5" name="页脚占位符 4">
             <a:extLst>
               <a:ext uri="{FF2B5EF4-FFF2-40B4-BE49-F238E27FC236}">
-                <a16:creationId xmlns:a16="http://schemas.microsoft.com/office/drawing/2014/main" id="{8018569F-33B3-FCBA-65AF-1E6F8E074B2D}"/>
+                <a16:creationId xmlns:a16="http://schemas.microsoft.com/office/drawing/2014/main" id="{258B648A-1B8C-29B3-4B65-442C4E7521AD}"/>
               </a:ext>
             </a:extLst>
           </p:cNvPr>
@@ -488,7 +488,7 @@
           <p:cNvPr id="6" name="灯片编号占位符 5">
             <a:extLst>
               <a:ext uri="{FF2B5EF4-FFF2-40B4-BE49-F238E27FC236}">
-                <a16:creationId xmlns:a16="http://schemas.microsoft.com/office/drawing/2014/main" id="{DBF147EA-CE1C-C6D6-2DCA-B7B45F10B6E9}"/>
+                <a16:creationId xmlns:a16="http://schemas.microsoft.com/office/drawing/2014/main" id="{E3C88FC5-266A-002E-C672-C2D6AF838C8D}"/>
               </a:ext>
             </a:extLst>
           </p:cNvPr>
@@ -504,7 +504,7 @@
           <a:bodyPr/>
           <a:lstStyle/>
           <a:p>
-            <a:fld id="{48A4086E-9E1B-4838-84CD-1EBFDF61482F}" type="slidenum">
+            <a:fld id="{91430E07-6FFF-49A6-809F-E449346A05C6}" type="slidenum">
               <a:rPr lang="zh-CN" altLang="en-US" smtClean="0"/>
               <a:t>‹#›</a:t>
             </a:fld>
@@ -515,7 +515,7 @@
     </p:spTree>
     <p:extLst>
       <p:ext uri="{BB962C8B-B14F-4D97-AF65-F5344CB8AC3E}">
-        <p14:creationId xmlns:p14="http://schemas.microsoft.com/office/powerpoint/2010/main" val="3192105139"/>
+        <p14:creationId xmlns:p14="http://schemas.microsoft.com/office/powerpoint/2010/main" val="824751291"/>
       </p:ext>
     </p:extLst>
   </p:cSld>
@@ -547,7 +547,7 @@
           <p:cNvPr id="2" name="竖排标题 1">
             <a:extLst>
               <a:ext uri="{FF2B5EF4-FFF2-40B4-BE49-F238E27FC236}">
-                <a16:creationId xmlns:a16="http://schemas.microsoft.com/office/drawing/2014/main" id="{D572EC8F-BDE3-41B7-11CA-44C7A526BB92}"/>
+                <a16:creationId xmlns:a16="http://schemas.microsoft.com/office/drawing/2014/main" id="{FBBCCF50-FFB3-ABAB-1BF5-9C41ECD21470}"/>
               </a:ext>
             </a:extLst>
           </p:cNvPr>
@@ -580,7 +580,7 @@
           <p:cNvPr id="3" name="竖排文字占位符 2">
             <a:extLst>
               <a:ext uri="{FF2B5EF4-FFF2-40B4-BE49-F238E27FC236}">
-                <a16:creationId xmlns:a16="http://schemas.microsoft.com/office/drawing/2014/main" id="{4CD9F5DA-403A-5649-5E4C-057A2A32DA04}"/>
+                <a16:creationId xmlns:a16="http://schemas.microsoft.com/office/drawing/2014/main" id="{F928F06F-86D9-8BE6-D39E-96F5946F621D}"/>
               </a:ext>
             </a:extLst>
           </p:cNvPr>
@@ -642,7 +642,7 @@
           <p:cNvPr id="4" name="日期占位符 3">
             <a:extLst>
               <a:ext uri="{FF2B5EF4-FFF2-40B4-BE49-F238E27FC236}">
-                <a16:creationId xmlns:a16="http://schemas.microsoft.com/office/drawing/2014/main" id="{A2483F46-A3B1-5D26-3644-ECDC5A13D030}"/>
+                <a16:creationId xmlns:a16="http://schemas.microsoft.com/office/drawing/2014/main" id="{BAEC4F74-014F-CBB8-CB3F-C2F3631B9C60}"/>
               </a:ext>
             </a:extLst>
           </p:cNvPr>
@@ -658,7 +658,7 @@
           <a:bodyPr/>
           <a:lstStyle/>
           <a:p>
-            <a:fld id="{F63FCA05-03D0-4B5D-981C-0BBAD3B5575D}" type="datetimeFigureOut">
+            <a:fld id="{59DAE64C-6AE0-449D-BDFA-502D927FFE89}" type="datetimeFigureOut">
               <a:rPr lang="zh-CN" altLang="en-US" smtClean="0"/>
               <a:t>2024/3/10</a:t>
             </a:fld>
@@ -671,7 +671,7 @@
           <p:cNvPr id="5" name="页脚占位符 4">
             <a:extLst>
               <a:ext uri="{FF2B5EF4-FFF2-40B4-BE49-F238E27FC236}">
-                <a16:creationId xmlns:a16="http://schemas.microsoft.com/office/drawing/2014/main" id="{6E0EEECD-5F04-1C25-0771-A493C32B0CDE}"/>
+                <a16:creationId xmlns:a16="http://schemas.microsoft.com/office/drawing/2014/main" id="{B96EC8AE-D859-4C6C-0BEC-0233EEB16D5A}"/>
               </a:ext>
             </a:extLst>
           </p:cNvPr>
@@ -696,7 +696,7 @@
           <p:cNvPr id="6" name="灯片编号占位符 5">
             <a:extLst>
               <a:ext uri="{FF2B5EF4-FFF2-40B4-BE49-F238E27FC236}">
-                <a16:creationId xmlns:a16="http://schemas.microsoft.com/office/drawing/2014/main" id="{8265A1F4-4116-E4AC-A807-2F6B5A8C96B9}"/>
+                <a16:creationId xmlns:a16="http://schemas.microsoft.com/office/drawing/2014/main" id="{BC841B69-2732-E97F-0D0D-97DCD2C99409}"/>
               </a:ext>
             </a:extLst>
           </p:cNvPr>
@@ -712,7 +712,7 @@
           <a:bodyPr/>
           <a:lstStyle/>
           <a:p>
-            <a:fld id="{48A4086E-9E1B-4838-84CD-1EBFDF61482F}" type="slidenum">
+            <a:fld id="{91430E07-6FFF-49A6-809F-E449346A05C6}" type="slidenum">
               <a:rPr lang="zh-CN" altLang="en-US" smtClean="0"/>
               <a:t>‹#›</a:t>
             </a:fld>
@@ -723,7 +723,7 @@
     </p:spTree>
     <p:extLst>
       <p:ext uri="{BB962C8B-B14F-4D97-AF65-F5344CB8AC3E}">
-        <p14:creationId xmlns:p14="http://schemas.microsoft.com/office/powerpoint/2010/main" val="531158766"/>
+        <p14:creationId xmlns:p14="http://schemas.microsoft.com/office/powerpoint/2010/main" val="1244548910"/>
       </p:ext>
     </p:extLst>
   </p:cSld>
@@ -755,7 +755,7 @@
           <p:cNvPr id="2" name="标题 1">
             <a:extLst>
               <a:ext uri="{FF2B5EF4-FFF2-40B4-BE49-F238E27FC236}">
-                <a16:creationId xmlns:a16="http://schemas.microsoft.com/office/drawing/2014/main" id="{C982ACC7-4D6F-4DFD-363D-CFE374AC8F83}"/>
+                <a16:creationId xmlns:a16="http://schemas.microsoft.com/office/drawing/2014/main" id="{21171BB5-2E43-7435-A9ED-15076E82A222}"/>
               </a:ext>
             </a:extLst>
           </p:cNvPr>
@@ -783,7 +783,7 @@
           <p:cNvPr id="3" name="内容占位符 2">
             <a:extLst>
               <a:ext uri="{FF2B5EF4-FFF2-40B4-BE49-F238E27FC236}">
-                <a16:creationId xmlns:a16="http://schemas.microsoft.com/office/drawing/2014/main" id="{0EFDF54B-3E8F-422C-2AD8-F1BC89848EF7}"/>
+                <a16:creationId xmlns:a16="http://schemas.microsoft.com/office/drawing/2014/main" id="{94E1DE61-1594-C9FF-B856-37C1AF32E56F}"/>
               </a:ext>
             </a:extLst>
           </p:cNvPr>
@@ -840,7 +840,7 @@
           <p:cNvPr id="4" name="日期占位符 3">
             <a:extLst>
               <a:ext uri="{FF2B5EF4-FFF2-40B4-BE49-F238E27FC236}">
-                <a16:creationId xmlns:a16="http://schemas.microsoft.com/office/drawing/2014/main" id="{B02980EF-043E-0B7A-09EF-014C4C4E58D6}"/>
+                <a16:creationId xmlns:a16="http://schemas.microsoft.com/office/drawing/2014/main" id="{B6998641-1860-D687-3433-52264E305539}"/>
               </a:ext>
             </a:extLst>
           </p:cNvPr>
@@ -856,7 +856,7 @@
           <a:bodyPr/>
           <a:lstStyle/>
           <a:p>
-            <a:fld id="{F63FCA05-03D0-4B5D-981C-0BBAD3B5575D}" type="datetimeFigureOut">
+            <a:fld id="{59DAE64C-6AE0-449D-BDFA-502D927FFE89}" type="datetimeFigureOut">
               <a:rPr lang="zh-CN" altLang="en-US" smtClean="0"/>
               <a:t>2024/3/10</a:t>
             </a:fld>
@@ -869,7 +869,7 @@
           <p:cNvPr id="5" name="页脚占位符 4">
             <a:extLst>
               <a:ext uri="{FF2B5EF4-FFF2-40B4-BE49-F238E27FC236}">
-                <a16:creationId xmlns:a16="http://schemas.microsoft.com/office/drawing/2014/main" id="{C7F8DF53-8775-DDB6-63AF-A8948B189E41}"/>
+                <a16:creationId xmlns:a16="http://schemas.microsoft.com/office/drawing/2014/main" id="{5D9A859B-9939-FA08-D2D7-17974649E6CE}"/>
               </a:ext>
             </a:extLst>
           </p:cNvPr>
@@ -894,7 +894,7 @@
           <p:cNvPr id="6" name="灯片编号占位符 5">
             <a:extLst>
               <a:ext uri="{FF2B5EF4-FFF2-40B4-BE49-F238E27FC236}">
-                <a16:creationId xmlns:a16="http://schemas.microsoft.com/office/drawing/2014/main" id="{4D6DFAFB-3950-2A89-C2B5-4519E4A03A7A}"/>
+                <a16:creationId xmlns:a16="http://schemas.microsoft.com/office/drawing/2014/main" id="{4649B5D7-24BC-932A-40E0-A0601DCEC02A}"/>
               </a:ext>
             </a:extLst>
           </p:cNvPr>
@@ -910,7 +910,7 @@
           <a:bodyPr/>
           <a:lstStyle/>
           <a:p>
-            <a:fld id="{48A4086E-9E1B-4838-84CD-1EBFDF61482F}" type="slidenum">
+            <a:fld id="{91430E07-6FFF-49A6-809F-E449346A05C6}" type="slidenum">
               <a:rPr lang="zh-CN" altLang="en-US" smtClean="0"/>
               <a:t>‹#›</a:t>
             </a:fld>
@@ -921,7 +921,7 @@
     </p:spTree>
     <p:extLst>
       <p:ext uri="{BB962C8B-B14F-4D97-AF65-F5344CB8AC3E}">
-        <p14:creationId xmlns:p14="http://schemas.microsoft.com/office/powerpoint/2010/main" val="3531381946"/>
+        <p14:creationId xmlns:p14="http://schemas.microsoft.com/office/powerpoint/2010/main" val="1703758670"/>
       </p:ext>
     </p:extLst>
   </p:cSld>
@@ -953,7 +953,7 @@
           <p:cNvPr id="2" name="标题 1">
             <a:extLst>
               <a:ext uri="{FF2B5EF4-FFF2-40B4-BE49-F238E27FC236}">
-                <a16:creationId xmlns:a16="http://schemas.microsoft.com/office/drawing/2014/main" id="{DCB74AB6-A1DD-E193-62B7-BC5D56FF514A}"/>
+                <a16:creationId xmlns:a16="http://schemas.microsoft.com/office/drawing/2014/main" id="{D24E6E17-0614-6882-CFF5-0FA8370A905E}"/>
               </a:ext>
             </a:extLst>
           </p:cNvPr>
@@ -990,7 +990,7 @@
           <p:cNvPr id="3" name="文本占位符 2">
             <a:extLst>
               <a:ext uri="{FF2B5EF4-FFF2-40B4-BE49-F238E27FC236}">
-                <a16:creationId xmlns:a16="http://schemas.microsoft.com/office/drawing/2014/main" id="{E2E1193B-F4EB-617A-8597-12F4FF998141}"/>
+                <a16:creationId xmlns:a16="http://schemas.microsoft.com/office/drawing/2014/main" id="{0097F632-09EC-0493-3042-E1DA077EA161}"/>
               </a:ext>
             </a:extLst>
           </p:cNvPr>
@@ -1115,7 +1115,7 @@
           <p:cNvPr id="4" name="日期占位符 3">
             <a:extLst>
               <a:ext uri="{FF2B5EF4-FFF2-40B4-BE49-F238E27FC236}">
-                <a16:creationId xmlns:a16="http://schemas.microsoft.com/office/drawing/2014/main" id="{34B4B6A7-C8ED-9537-B54D-6AB7FD4ECF0E}"/>
+                <a16:creationId xmlns:a16="http://schemas.microsoft.com/office/drawing/2014/main" id="{8E8E0192-7362-BC8E-691A-4731FAF16EB0}"/>
               </a:ext>
             </a:extLst>
           </p:cNvPr>
@@ -1131,7 +1131,7 @@
           <a:bodyPr/>
           <a:lstStyle/>
           <a:p>
-            <a:fld id="{F63FCA05-03D0-4B5D-981C-0BBAD3B5575D}" type="datetimeFigureOut">
+            <a:fld id="{59DAE64C-6AE0-449D-BDFA-502D927FFE89}" type="datetimeFigureOut">
               <a:rPr lang="zh-CN" altLang="en-US" smtClean="0"/>
               <a:t>2024/3/10</a:t>
             </a:fld>
@@ -1144,7 +1144,7 @@
           <p:cNvPr id="5" name="页脚占位符 4">
             <a:extLst>
               <a:ext uri="{FF2B5EF4-FFF2-40B4-BE49-F238E27FC236}">
-                <a16:creationId xmlns:a16="http://schemas.microsoft.com/office/drawing/2014/main" id="{0F454D66-4B11-6665-7DF4-BF67404D006B}"/>
+                <a16:creationId xmlns:a16="http://schemas.microsoft.com/office/drawing/2014/main" id="{EE38A186-6D0F-96E2-0B87-545E323A21AC}"/>
               </a:ext>
             </a:extLst>
           </p:cNvPr>
@@ -1169,7 +1169,7 @@
           <p:cNvPr id="6" name="灯片编号占位符 5">
             <a:extLst>
               <a:ext uri="{FF2B5EF4-FFF2-40B4-BE49-F238E27FC236}">
-                <a16:creationId xmlns:a16="http://schemas.microsoft.com/office/drawing/2014/main" id="{A546BA41-6834-8ED6-6739-BBAFE5D6BC7D}"/>
+                <a16:creationId xmlns:a16="http://schemas.microsoft.com/office/drawing/2014/main" id="{925A1353-219C-EBF1-6B7F-4D3B9CBE24B1}"/>
               </a:ext>
             </a:extLst>
           </p:cNvPr>
@@ -1185,7 +1185,7 @@
           <a:bodyPr/>
           <a:lstStyle/>
           <a:p>
-            <a:fld id="{48A4086E-9E1B-4838-84CD-1EBFDF61482F}" type="slidenum">
+            <a:fld id="{91430E07-6FFF-49A6-809F-E449346A05C6}" type="slidenum">
               <a:rPr lang="zh-CN" altLang="en-US" smtClean="0"/>
               <a:t>‹#›</a:t>
             </a:fld>
@@ -1196,7 +1196,7 @@
     </p:spTree>
     <p:extLst>
       <p:ext uri="{BB962C8B-B14F-4D97-AF65-F5344CB8AC3E}">
-        <p14:creationId xmlns:p14="http://schemas.microsoft.com/office/powerpoint/2010/main" val="3323988363"/>
+        <p14:creationId xmlns:p14="http://schemas.microsoft.com/office/powerpoint/2010/main" val="4273311965"/>
       </p:ext>
     </p:extLst>
   </p:cSld>
@@ -1228,7 +1228,7 @@
           <p:cNvPr id="2" name="标题 1">
             <a:extLst>
               <a:ext uri="{FF2B5EF4-FFF2-40B4-BE49-F238E27FC236}">
-                <a16:creationId xmlns:a16="http://schemas.microsoft.com/office/drawing/2014/main" id="{12DBECA4-664F-086C-E69A-82E88DFFD41B}"/>
+                <a16:creationId xmlns:a16="http://schemas.microsoft.com/office/drawing/2014/main" id="{48DC9DCC-351A-B316-4E5E-15CA02472415}"/>
               </a:ext>
             </a:extLst>
           </p:cNvPr>
@@ -1256,7 +1256,7 @@
           <p:cNvPr id="3" name="内容占位符 2">
             <a:extLst>
               <a:ext uri="{FF2B5EF4-FFF2-40B4-BE49-F238E27FC236}">
-                <a16:creationId xmlns:a16="http://schemas.microsoft.com/office/drawing/2014/main" id="{981F64A5-962D-93D6-D239-DFC45BD6E062}"/>
+                <a16:creationId xmlns:a16="http://schemas.microsoft.com/office/drawing/2014/main" id="{05052432-AA7C-0668-B430-2FAFC37DE3B6}"/>
               </a:ext>
             </a:extLst>
           </p:cNvPr>
@@ -1318,7 +1318,7 @@
           <p:cNvPr id="4" name="内容占位符 3">
             <a:extLst>
               <a:ext uri="{FF2B5EF4-FFF2-40B4-BE49-F238E27FC236}">
-                <a16:creationId xmlns:a16="http://schemas.microsoft.com/office/drawing/2014/main" id="{C9A1C3F4-7955-7CFF-FCB3-A926DC2BB04C}"/>
+                <a16:creationId xmlns:a16="http://schemas.microsoft.com/office/drawing/2014/main" id="{400068E7-DE1A-E346-DC55-65F64793AD78}"/>
               </a:ext>
             </a:extLst>
           </p:cNvPr>
@@ -1380,7 +1380,7 @@
           <p:cNvPr id="5" name="日期占位符 4">
             <a:extLst>
               <a:ext uri="{FF2B5EF4-FFF2-40B4-BE49-F238E27FC236}">
-                <a16:creationId xmlns:a16="http://schemas.microsoft.com/office/drawing/2014/main" id="{DFEC1F30-4123-1EBB-12D2-4272F21553A6}"/>
+                <a16:creationId xmlns:a16="http://schemas.microsoft.com/office/drawing/2014/main" id="{C07A0FC2-D6DD-1F13-23EE-9B36D434ED57}"/>
               </a:ext>
             </a:extLst>
           </p:cNvPr>
@@ -1396,7 +1396,7 @@
           <a:bodyPr/>
           <a:lstStyle/>
           <a:p>
-            <a:fld id="{F63FCA05-03D0-4B5D-981C-0BBAD3B5575D}" type="datetimeFigureOut">
+            <a:fld id="{59DAE64C-6AE0-449D-BDFA-502D927FFE89}" type="datetimeFigureOut">
               <a:rPr lang="zh-CN" altLang="en-US" smtClean="0"/>
               <a:t>2024/3/10</a:t>
             </a:fld>
@@ -1409,7 +1409,7 @@
           <p:cNvPr id="6" name="页脚占位符 5">
             <a:extLst>
               <a:ext uri="{FF2B5EF4-FFF2-40B4-BE49-F238E27FC236}">
-                <a16:creationId xmlns:a16="http://schemas.microsoft.com/office/drawing/2014/main" id="{1C0EFCA6-A2E7-F9A8-625D-3AF76DC18F8F}"/>
+                <a16:creationId xmlns:a16="http://schemas.microsoft.com/office/drawing/2014/main" id="{CA6284D0-D6C1-9AAD-39A9-C54EC297D69B}"/>
               </a:ext>
             </a:extLst>
           </p:cNvPr>
@@ -1434,7 +1434,7 @@
           <p:cNvPr id="7" name="灯片编号占位符 6">
             <a:extLst>
               <a:ext uri="{FF2B5EF4-FFF2-40B4-BE49-F238E27FC236}">
-                <a16:creationId xmlns:a16="http://schemas.microsoft.com/office/drawing/2014/main" id="{3883B934-4017-9139-07F1-3E94F912D380}"/>
+                <a16:creationId xmlns:a16="http://schemas.microsoft.com/office/drawing/2014/main" id="{EEA11E46-08CA-34E4-CF17-00B222DC207C}"/>
               </a:ext>
             </a:extLst>
           </p:cNvPr>
@@ -1450,7 +1450,7 @@
           <a:bodyPr/>
           <a:lstStyle/>
           <a:p>
-            <a:fld id="{48A4086E-9E1B-4838-84CD-1EBFDF61482F}" type="slidenum">
+            <a:fld id="{91430E07-6FFF-49A6-809F-E449346A05C6}" type="slidenum">
               <a:rPr lang="zh-CN" altLang="en-US" smtClean="0"/>
               <a:t>‹#›</a:t>
             </a:fld>
@@ -1461,7 +1461,7 @@
     </p:spTree>
     <p:extLst>
       <p:ext uri="{BB962C8B-B14F-4D97-AF65-F5344CB8AC3E}">
-        <p14:creationId xmlns:p14="http://schemas.microsoft.com/office/powerpoint/2010/main" val="2916202353"/>
+        <p14:creationId xmlns:p14="http://schemas.microsoft.com/office/powerpoint/2010/main" val="979004345"/>
       </p:ext>
     </p:extLst>
   </p:cSld>
@@ -1493,7 +1493,7 @@
           <p:cNvPr id="2" name="标题 1">
             <a:extLst>
               <a:ext uri="{FF2B5EF4-FFF2-40B4-BE49-F238E27FC236}">
-                <a16:creationId xmlns:a16="http://schemas.microsoft.com/office/drawing/2014/main" id="{A1747DC8-EE81-EA8E-11EB-7342D4A2E12D}"/>
+                <a16:creationId xmlns:a16="http://schemas.microsoft.com/office/drawing/2014/main" id="{4C40EE3B-DE16-90B9-26E1-825DF95DA9F2}"/>
               </a:ext>
             </a:extLst>
           </p:cNvPr>
@@ -1526,7 +1526,7 @@
           <p:cNvPr id="3" name="文本占位符 2">
             <a:extLst>
               <a:ext uri="{FF2B5EF4-FFF2-40B4-BE49-F238E27FC236}">
-                <a16:creationId xmlns:a16="http://schemas.microsoft.com/office/drawing/2014/main" id="{208D4011-0954-0505-F149-049C5060983F}"/>
+                <a16:creationId xmlns:a16="http://schemas.microsoft.com/office/drawing/2014/main" id="{9EE5A608-4F91-B0CC-A7F8-61FEF1E245B6}"/>
               </a:ext>
             </a:extLst>
           </p:cNvPr>
@@ -1597,7 +1597,7 @@
           <p:cNvPr id="4" name="内容占位符 3">
             <a:extLst>
               <a:ext uri="{FF2B5EF4-FFF2-40B4-BE49-F238E27FC236}">
-                <a16:creationId xmlns:a16="http://schemas.microsoft.com/office/drawing/2014/main" id="{AD2E0932-160D-C452-8247-371E0E900E7B}"/>
+                <a16:creationId xmlns:a16="http://schemas.microsoft.com/office/drawing/2014/main" id="{ABEB1C0D-DC72-BEBB-A973-B504861EEB7D}"/>
               </a:ext>
             </a:extLst>
           </p:cNvPr>
@@ -1659,7 +1659,7 @@
           <p:cNvPr id="5" name="文本占位符 4">
             <a:extLst>
               <a:ext uri="{FF2B5EF4-FFF2-40B4-BE49-F238E27FC236}">
-                <a16:creationId xmlns:a16="http://schemas.microsoft.com/office/drawing/2014/main" id="{0AEA15D6-03C2-9C9F-9EBC-1F0693C144FD}"/>
+                <a16:creationId xmlns:a16="http://schemas.microsoft.com/office/drawing/2014/main" id="{3C0D9E6B-69C3-3497-B275-5711F049B2A3}"/>
               </a:ext>
             </a:extLst>
           </p:cNvPr>
@@ -1730,7 +1730,7 @@
           <p:cNvPr id="6" name="内容占位符 5">
             <a:extLst>
               <a:ext uri="{FF2B5EF4-FFF2-40B4-BE49-F238E27FC236}">
-                <a16:creationId xmlns:a16="http://schemas.microsoft.com/office/drawing/2014/main" id="{8B2EDC52-D9BB-9EE3-4F73-E8709DEC1742}"/>
+                <a16:creationId xmlns:a16="http://schemas.microsoft.com/office/drawing/2014/main" id="{F9823B9A-3006-F5EB-AC0E-EB1C6F778F46}"/>
               </a:ext>
             </a:extLst>
           </p:cNvPr>
@@ -1792,7 +1792,7 @@
           <p:cNvPr id="7" name="日期占位符 6">
             <a:extLst>
               <a:ext uri="{FF2B5EF4-FFF2-40B4-BE49-F238E27FC236}">
-                <a16:creationId xmlns:a16="http://schemas.microsoft.com/office/drawing/2014/main" id="{0EE45323-12E1-19F8-9346-660278536C6B}"/>
+                <a16:creationId xmlns:a16="http://schemas.microsoft.com/office/drawing/2014/main" id="{6C7EFA81-6B79-D8BC-CE82-EE3C8DF8C65B}"/>
               </a:ext>
             </a:extLst>
           </p:cNvPr>
@@ -1808,7 +1808,7 @@
           <a:bodyPr/>
           <a:lstStyle/>
           <a:p>
-            <a:fld id="{F63FCA05-03D0-4B5D-981C-0BBAD3B5575D}" type="datetimeFigureOut">
+            <a:fld id="{59DAE64C-6AE0-449D-BDFA-502D927FFE89}" type="datetimeFigureOut">
               <a:rPr lang="zh-CN" altLang="en-US" smtClean="0"/>
               <a:t>2024/3/10</a:t>
             </a:fld>
@@ -1821,7 +1821,7 @@
           <p:cNvPr id="8" name="页脚占位符 7">
             <a:extLst>
               <a:ext uri="{FF2B5EF4-FFF2-40B4-BE49-F238E27FC236}">
-                <a16:creationId xmlns:a16="http://schemas.microsoft.com/office/drawing/2014/main" id="{02DE20D6-43A0-6FDC-46BA-2659342193AD}"/>
+                <a16:creationId xmlns:a16="http://schemas.microsoft.com/office/drawing/2014/main" id="{6CF808C6-A084-F190-E919-9D22EA6AEC10}"/>
               </a:ext>
             </a:extLst>
           </p:cNvPr>
@@ -1846,7 +1846,7 @@
           <p:cNvPr id="9" name="灯片编号占位符 8">
             <a:extLst>
               <a:ext uri="{FF2B5EF4-FFF2-40B4-BE49-F238E27FC236}">
-                <a16:creationId xmlns:a16="http://schemas.microsoft.com/office/drawing/2014/main" id="{E0B214B3-3D3C-E940-7AD0-1FDE1D19DA8F}"/>
+                <a16:creationId xmlns:a16="http://schemas.microsoft.com/office/drawing/2014/main" id="{BCC4AE99-8BC7-7627-CBDC-4DEFBF906FF3}"/>
               </a:ext>
             </a:extLst>
           </p:cNvPr>
@@ -1862,7 +1862,7 @@
           <a:bodyPr/>
           <a:lstStyle/>
           <a:p>
-            <a:fld id="{48A4086E-9E1B-4838-84CD-1EBFDF61482F}" type="slidenum">
+            <a:fld id="{91430E07-6FFF-49A6-809F-E449346A05C6}" type="slidenum">
               <a:rPr lang="zh-CN" altLang="en-US" smtClean="0"/>
               <a:t>‹#›</a:t>
             </a:fld>
@@ -1873,7 +1873,7 @@
     </p:spTree>
     <p:extLst>
       <p:ext uri="{BB962C8B-B14F-4D97-AF65-F5344CB8AC3E}">
-        <p14:creationId xmlns:p14="http://schemas.microsoft.com/office/powerpoint/2010/main" val="1200238685"/>
+        <p14:creationId xmlns:p14="http://schemas.microsoft.com/office/powerpoint/2010/main" val="986921590"/>
       </p:ext>
     </p:extLst>
   </p:cSld>
@@ -1905,7 +1905,7 @@
           <p:cNvPr id="2" name="标题 1">
             <a:extLst>
               <a:ext uri="{FF2B5EF4-FFF2-40B4-BE49-F238E27FC236}">
-                <a16:creationId xmlns:a16="http://schemas.microsoft.com/office/drawing/2014/main" id="{0879DDDB-31A5-D4BA-EE02-6F9550585B99}"/>
+                <a16:creationId xmlns:a16="http://schemas.microsoft.com/office/drawing/2014/main" id="{A052A607-7651-243A-27C8-3F09B2134A7D}"/>
               </a:ext>
             </a:extLst>
           </p:cNvPr>
@@ -1933,7 +1933,7 @@
           <p:cNvPr id="3" name="日期占位符 2">
             <a:extLst>
               <a:ext uri="{FF2B5EF4-FFF2-40B4-BE49-F238E27FC236}">
-                <a16:creationId xmlns:a16="http://schemas.microsoft.com/office/drawing/2014/main" id="{16D9EF3D-A446-076C-5098-A9FB320D2859}"/>
+                <a16:creationId xmlns:a16="http://schemas.microsoft.com/office/drawing/2014/main" id="{FF4651EC-2D94-3790-F2BA-EC1CB6A23964}"/>
               </a:ext>
             </a:extLst>
           </p:cNvPr>
@@ -1949,7 +1949,7 @@
           <a:bodyPr/>
           <a:lstStyle/>
           <a:p>
-            <a:fld id="{F63FCA05-03D0-4B5D-981C-0BBAD3B5575D}" type="datetimeFigureOut">
+            <a:fld id="{59DAE64C-6AE0-449D-BDFA-502D927FFE89}" type="datetimeFigureOut">
               <a:rPr lang="zh-CN" altLang="en-US" smtClean="0"/>
               <a:t>2024/3/10</a:t>
             </a:fld>
@@ -1962,7 +1962,7 @@
           <p:cNvPr id="4" name="页脚占位符 3">
             <a:extLst>
               <a:ext uri="{FF2B5EF4-FFF2-40B4-BE49-F238E27FC236}">
-                <a16:creationId xmlns:a16="http://schemas.microsoft.com/office/drawing/2014/main" id="{9C2BA05E-8C7E-183C-9007-8B6A03CC3AE6}"/>
+                <a16:creationId xmlns:a16="http://schemas.microsoft.com/office/drawing/2014/main" id="{E439B8AE-10C7-ED6A-4D43-975DB3BD84FC}"/>
               </a:ext>
             </a:extLst>
           </p:cNvPr>
@@ -1987,7 +1987,7 @@
           <p:cNvPr id="5" name="灯片编号占位符 4">
             <a:extLst>
               <a:ext uri="{FF2B5EF4-FFF2-40B4-BE49-F238E27FC236}">
-                <a16:creationId xmlns:a16="http://schemas.microsoft.com/office/drawing/2014/main" id="{60DD520A-811E-FE4D-804A-3DA71ABA566D}"/>
+                <a16:creationId xmlns:a16="http://schemas.microsoft.com/office/drawing/2014/main" id="{253E051A-68BD-1244-42D9-D52C9BB91711}"/>
               </a:ext>
             </a:extLst>
           </p:cNvPr>
@@ -2003,7 +2003,7 @@
           <a:bodyPr/>
           <a:lstStyle/>
           <a:p>
-            <a:fld id="{48A4086E-9E1B-4838-84CD-1EBFDF61482F}" type="slidenum">
+            <a:fld id="{91430E07-6FFF-49A6-809F-E449346A05C6}" type="slidenum">
               <a:rPr lang="zh-CN" altLang="en-US" smtClean="0"/>
               <a:t>‹#›</a:t>
             </a:fld>
@@ -2014,7 +2014,7 @@
     </p:spTree>
     <p:extLst>
       <p:ext uri="{BB962C8B-B14F-4D97-AF65-F5344CB8AC3E}">
-        <p14:creationId xmlns:p14="http://schemas.microsoft.com/office/powerpoint/2010/main" val="1796986814"/>
+        <p14:creationId xmlns:p14="http://schemas.microsoft.com/office/powerpoint/2010/main" val="557056055"/>
       </p:ext>
     </p:extLst>
   </p:cSld>
@@ -2046,7 +2046,7 @@
           <p:cNvPr id="2" name="日期占位符 1">
             <a:extLst>
               <a:ext uri="{FF2B5EF4-FFF2-40B4-BE49-F238E27FC236}">
-                <a16:creationId xmlns:a16="http://schemas.microsoft.com/office/drawing/2014/main" id="{BD7BE51F-6173-D9B6-042F-B3A8FA15EEA1}"/>
+                <a16:creationId xmlns:a16="http://schemas.microsoft.com/office/drawing/2014/main" id="{E0494287-1B56-E236-8C69-F267B944B176}"/>
               </a:ext>
             </a:extLst>
           </p:cNvPr>
@@ -2062,7 +2062,7 @@
           <a:bodyPr/>
           <a:lstStyle/>
           <a:p>
-            <a:fld id="{F63FCA05-03D0-4B5D-981C-0BBAD3B5575D}" type="datetimeFigureOut">
+            <a:fld id="{59DAE64C-6AE0-449D-BDFA-502D927FFE89}" type="datetimeFigureOut">
               <a:rPr lang="zh-CN" altLang="en-US" smtClean="0"/>
               <a:t>2024/3/10</a:t>
             </a:fld>
@@ -2075,7 +2075,7 @@
           <p:cNvPr id="3" name="页脚占位符 2">
             <a:extLst>
               <a:ext uri="{FF2B5EF4-FFF2-40B4-BE49-F238E27FC236}">
-                <a16:creationId xmlns:a16="http://schemas.microsoft.com/office/drawing/2014/main" id="{DE7CBA0A-6BE6-35FC-EB9C-06E36022351E}"/>
+                <a16:creationId xmlns:a16="http://schemas.microsoft.com/office/drawing/2014/main" id="{6E88110B-2F45-E4E4-3C0A-331519DC35E4}"/>
               </a:ext>
             </a:extLst>
           </p:cNvPr>
@@ -2100,7 +2100,7 @@
           <p:cNvPr id="4" name="灯片编号占位符 3">
             <a:extLst>
               <a:ext uri="{FF2B5EF4-FFF2-40B4-BE49-F238E27FC236}">
-                <a16:creationId xmlns:a16="http://schemas.microsoft.com/office/drawing/2014/main" id="{C500CD3F-2AA0-35CA-D770-1D39E3CA1E13}"/>
+                <a16:creationId xmlns:a16="http://schemas.microsoft.com/office/drawing/2014/main" id="{0FFED14B-23EB-4B29-CC31-FE482DA9A091}"/>
               </a:ext>
             </a:extLst>
           </p:cNvPr>
@@ -2116,7 +2116,7 @@
           <a:bodyPr/>
           <a:lstStyle/>
           <a:p>
-            <a:fld id="{48A4086E-9E1B-4838-84CD-1EBFDF61482F}" type="slidenum">
+            <a:fld id="{91430E07-6FFF-49A6-809F-E449346A05C6}" type="slidenum">
               <a:rPr lang="zh-CN" altLang="en-US" smtClean="0"/>
               <a:t>‹#›</a:t>
             </a:fld>
@@ -2127,7 +2127,7 @@
     </p:spTree>
     <p:extLst>
       <p:ext uri="{BB962C8B-B14F-4D97-AF65-F5344CB8AC3E}">
-        <p14:creationId xmlns:p14="http://schemas.microsoft.com/office/powerpoint/2010/main" val="1339786965"/>
+        <p14:creationId xmlns:p14="http://schemas.microsoft.com/office/powerpoint/2010/main" val="622106297"/>
       </p:ext>
     </p:extLst>
   </p:cSld>
@@ -2159,7 +2159,7 @@
           <p:cNvPr id="2" name="标题 1">
             <a:extLst>
               <a:ext uri="{FF2B5EF4-FFF2-40B4-BE49-F238E27FC236}">
-                <a16:creationId xmlns:a16="http://schemas.microsoft.com/office/drawing/2014/main" id="{5DB6DB7A-9B44-064A-6277-2634F9BDCB72}"/>
+                <a16:creationId xmlns:a16="http://schemas.microsoft.com/office/drawing/2014/main" id="{CAE4D1C1-607A-7557-50BB-4654A5115369}"/>
               </a:ext>
             </a:extLst>
           </p:cNvPr>
@@ -2196,7 +2196,7 @@
           <p:cNvPr id="3" name="内容占位符 2">
             <a:extLst>
               <a:ext uri="{FF2B5EF4-FFF2-40B4-BE49-F238E27FC236}">
-                <a16:creationId xmlns:a16="http://schemas.microsoft.com/office/drawing/2014/main" id="{E4307836-A41E-68D2-078F-DFD1C4563650}"/>
+                <a16:creationId xmlns:a16="http://schemas.microsoft.com/office/drawing/2014/main" id="{88B7129D-CDFB-6177-F655-AFE1A22B194B}"/>
               </a:ext>
             </a:extLst>
           </p:cNvPr>
@@ -2286,7 +2286,7 @@
           <p:cNvPr id="4" name="文本占位符 3">
             <a:extLst>
               <a:ext uri="{FF2B5EF4-FFF2-40B4-BE49-F238E27FC236}">
-                <a16:creationId xmlns:a16="http://schemas.microsoft.com/office/drawing/2014/main" id="{C338DF62-102A-FEC5-3B4D-E5516BD615F8}"/>
+                <a16:creationId xmlns:a16="http://schemas.microsoft.com/office/drawing/2014/main" id="{BE45C459-1D47-C5AE-1847-6379E86D6AA8}"/>
               </a:ext>
             </a:extLst>
           </p:cNvPr>
@@ -2357,7 +2357,7 @@
           <p:cNvPr id="5" name="日期占位符 4">
             <a:extLst>
               <a:ext uri="{FF2B5EF4-FFF2-40B4-BE49-F238E27FC236}">
-                <a16:creationId xmlns:a16="http://schemas.microsoft.com/office/drawing/2014/main" id="{FBEFEC84-08E5-FA72-30F4-4D52EDFE3D79}"/>
+                <a16:creationId xmlns:a16="http://schemas.microsoft.com/office/drawing/2014/main" id="{95EA6E12-AADC-50EC-4D3D-41942A645A60}"/>
               </a:ext>
             </a:extLst>
           </p:cNvPr>
@@ -2373,7 +2373,7 @@
           <a:bodyPr/>
           <a:lstStyle/>
           <a:p>
-            <a:fld id="{F63FCA05-03D0-4B5D-981C-0BBAD3B5575D}" type="datetimeFigureOut">
+            <a:fld id="{59DAE64C-6AE0-449D-BDFA-502D927FFE89}" type="datetimeFigureOut">
               <a:rPr lang="zh-CN" altLang="en-US" smtClean="0"/>
               <a:t>2024/3/10</a:t>
             </a:fld>
@@ -2386,7 +2386,7 @@
           <p:cNvPr id="6" name="页脚占位符 5">
             <a:extLst>
               <a:ext uri="{FF2B5EF4-FFF2-40B4-BE49-F238E27FC236}">
-                <a16:creationId xmlns:a16="http://schemas.microsoft.com/office/drawing/2014/main" id="{D1D4C179-C932-FD22-726A-4F14649B8842}"/>
+                <a16:creationId xmlns:a16="http://schemas.microsoft.com/office/drawing/2014/main" id="{D525529E-AE4F-0494-3E64-A2746D945805}"/>
               </a:ext>
             </a:extLst>
           </p:cNvPr>
@@ -2411,7 +2411,7 @@
           <p:cNvPr id="7" name="灯片编号占位符 6">
             <a:extLst>
               <a:ext uri="{FF2B5EF4-FFF2-40B4-BE49-F238E27FC236}">
-                <a16:creationId xmlns:a16="http://schemas.microsoft.com/office/drawing/2014/main" id="{AABDE370-7F40-E7EC-5F1F-4CBDA776FB77}"/>
+                <a16:creationId xmlns:a16="http://schemas.microsoft.com/office/drawing/2014/main" id="{6E476463-FEE1-4843-1588-CD7932AF9E35}"/>
               </a:ext>
             </a:extLst>
           </p:cNvPr>
@@ -2427,7 +2427,7 @@
           <a:bodyPr/>
           <a:lstStyle/>
           <a:p>
-            <a:fld id="{48A4086E-9E1B-4838-84CD-1EBFDF61482F}" type="slidenum">
+            <a:fld id="{91430E07-6FFF-49A6-809F-E449346A05C6}" type="slidenum">
               <a:rPr lang="zh-CN" altLang="en-US" smtClean="0"/>
               <a:t>‹#›</a:t>
             </a:fld>
@@ -2438,7 +2438,7 @@
     </p:spTree>
     <p:extLst>
       <p:ext uri="{BB962C8B-B14F-4D97-AF65-F5344CB8AC3E}">
-        <p14:creationId xmlns:p14="http://schemas.microsoft.com/office/powerpoint/2010/main" val="980074337"/>
+        <p14:creationId xmlns:p14="http://schemas.microsoft.com/office/powerpoint/2010/main" val="868907910"/>
       </p:ext>
     </p:extLst>
   </p:cSld>
@@ -2470,7 +2470,7 @@
           <p:cNvPr id="2" name="标题 1">
             <a:extLst>
               <a:ext uri="{FF2B5EF4-FFF2-40B4-BE49-F238E27FC236}">
-                <a16:creationId xmlns:a16="http://schemas.microsoft.com/office/drawing/2014/main" id="{31BD4491-90E5-FEB3-EEBA-4F88FA4F1A57}"/>
+                <a16:creationId xmlns:a16="http://schemas.microsoft.com/office/drawing/2014/main" id="{AC069548-A6B1-3DF9-C664-4AB82C0B598E}"/>
               </a:ext>
             </a:extLst>
           </p:cNvPr>
@@ -2507,7 +2507,7 @@
           <p:cNvPr id="3" name="图片占位符 2">
             <a:extLst>
               <a:ext uri="{FF2B5EF4-FFF2-40B4-BE49-F238E27FC236}">
-                <a16:creationId xmlns:a16="http://schemas.microsoft.com/office/drawing/2014/main" id="{10CFA162-D278-8B15-9DE8-EF7AD87DC722}"/>
+                <a16:creationId xmlns:a16="http://schemas.microsoft.com/office/drawing/2014/main" id="{D92AE2C1-89C8-8E1C-A544-ADBA15360A20}"/>
               </a:ext>
             </a:extLst>
           </p:cNvPr>
@@ -2574,7 +2574,7 @@
           <p:cNvPr id="4" name="文本占位符 3">
             <a:extLst>
               <a:ext uri="{FF2B5EF4-FFF2-40B4-BE49-F238E27FC236}">
-                <a16:creationId xmlns:a16="http://schemas.microsoft.com/office/drawing/2014/main" id="{C35CCE67-6C38-2BAF-04B5-B3E5FC2FA2D9}"/>
+                <a16:creationId xmlns:a16="http://schemas.microsoft.com/office/drawing/2014/main" id="{E5BC4685-7113-172F-83A3-5B628D69A970}"/>
               </a:ext>
             </a:extLst>
           </p:cNvPr>
@@ -2645,7 +2645,7 @@
           <p:cNvPr id="5" name="日期占位符 4">
             <a:extLst>
               <a:ext uri="{FF2B5EF4-FFF2-40B4-BE49-F238E27FC236}">
-                <a16:creationId xmlns:a16="http://schemas.microsoft.com/office/drawing/2014/main" id="{5F34DDB2-F84D-A6C0-BD9E-D94891948FA8}"/>
+                <a16:creationId xmlns:a16="http://schemas.microsoft.com/office/drawing/2014/main" id="{9C224327-ABFC-181D-5640-E1959D01B15A}"/>
               </a:ext>
             </a:extLst>
           </p:cNvPr>
@@ -2661,7 +2661,7 @@
           <a:bodyPr/>
           <a:lstStyle/>
           <a:p>
-            <a:fld id="{F63FCA05-03D0-4B5D-981C-0BBAD3B5575D}" type="datetimeFigureOut">
+            <a:fld id="{59DAE64C-6AE0-449D-BDFA-502D927FFE89}" type="datetimeFigureOut">
               <a:rPr lang="zh-CN" altLang="en-US" smtClean="0"/>
               <a:t>2024/3/10</a:t>
             </a:fld>
@@ -2674,7 +2674,7 @@
           <p:cNvPr id="6" name="页脚占位符 5">
             <a:extLst>
               <a:ext uri="{FF2B5EF4-FFF2-40B4-BE49-F238E27FC236}">
-                <a16:creationId xmlns:a16="http://schemas.microsoft.com/office/drawing/2014/main" id="{88B91ACC-81DC-6B83-6BF8-2E4211F898E7}"/>
+                <a16:creationId xmlns:a16="http://schemas.microsoft.com/office/drawing/2014/main" id="{5A54CBE3-7E5B-C597-1CD7-14A3DB137437}"/>
               </a:ext>
             </a:extLst>
           </p:cNvPr>
@@ -2699,7 +2699,7 @@
           <p:cNvPr id="7" name="灯片编号占位符 6">
             <a:extLst>
               <a:ext uri="{FF2B5EF4-FFF2-40B4-BE49-F238E27FC236}">
-                <a16:creationId xmlns:a16="http://schemas.microsoft.com/office/drawing/2014/main" id="{9062890D-3674-121E-1614-1ED496F4AD31}"/>
+                <a16:creationId xmlns:a16="http://schemas.microsoft.com/office/drawing/2014/main" id="{3D129796-1C66-9768-6A43-B62618380FC7}"/>
               </a:ext>
             </a:extLst>
           </p:cNvPr>
@@ -2715,7 +2715,7 @@
           <a:bodyPr/>
           <a:lstStyle/>
           <a:p>
-            <a:fld id="{48A4086E-9E1B-4838-84CD-1EBFDF61482F}" type="slidenum">
+            <a:fld id="{91430E07-6FFF-49A6-809F-E449346A05C6}" type="slidenum">
               <a:rPr lang="zh-CN" altLang="en-US" smtClean="0"/>
               <a:t>‹#›</a:t>
             </a:fld>
@@ -2726,7 +2726,7 @@
     </p:spTree>
     <p:extLst>
       <p:ext uri="{BB962C8B-B14F-4D97-AF65-F5344CB8AC3E}">
-        <p14:creationId xmlns:p14="http://schemas.microsoft.com/office/powerpoint/2010/main" val="417887008"/>
+        <p14:creationId xmlns:p14="http://schemas.microsoft.com/office/powerpoint/2010/main" val="1437496106"/>
       </p:ext>
     </p:extLst>
   </p:cSld>
@@ -2763,7 +2763,7 @@
           <p:cNvPr id="2" name="标题占位符 1">
             <a:extLst>
               <a:ext uri="{FF2B5EF4-FFF2-40B4-BE49-F238E27FC236}">
-                <a16:creationId xmlns:a16="http://schemas.microsoft.com/office/drawing/2014/main" id="{AB3DF278-EAC0-DCF7-2B71-24EE89BC0AEB}"/>
+                <a16:creationId xmlns:a16="http://schemas.microsoft.com/office/drawing/2014/main" id="{47984F83-4359-7C45-15DF-40366183BEE2}"/>
               </a:ext>
             </a:extLst>
           </p:cNvPr>
@@ -2801,7 +2801,7 @@
           <p:cNvPr id="3" name="文本占位符 2">
             <a:extLst>
               <a:ext uri="{FF2B5EF4-FFF2-40B4-BE49-F238E27FC236}">
-                <a16:creationId xmlns:a16="http://schemas.microsoft.com/office/drawing/2014/main" id="{925BEEEB-4889-CF6B-1CC7-0B3E51E7B03C}"/>
+                <a16:creationId xmlns:a16="http://schemas.microsoft.com/office/drawing/2014/main" id="{9FE4796D-2C36-4BD3-AAA7-3DAF070273F1}"/>
               </a:ext>
             </a:extLst>
           </p:cNvPr>
@@ -2868,7 +2868,7 @@
           <p:cNvPr id="4" name="日期占位符 3">
             <a:extLst>
               <a:ext uri="{FF2B5EF4-FFF2-40B4-BE49-F238E27FC236}">
-                <a16:creationId xmlns:a16="http://schemas.microsoft.com/office/drawing/2014/main" id="{C82DE81C-A8DB-0569-157D-BE556CCB9EB1}"/>
+                <a16:creationId xmlns:a16="http://schemas.microsoft.com/office/drawing/2014/main" id="{E18DA501-AF99-EBDB-B549-099511780254}"/>
               </a:ext>
             </a:extLst>
           </p:cNvPr>
@@ -2902,7 +2902,7 @@
             </a:lvl1pPr>
           </a:lstStyle>
           <a:p>
-            <a:fld id="{F63FCA05-03D0-4B5D-981C-0BBAD3B5575D}" type="datetimeFigureOut">
+            <a:fld id="{59DAE64C-6AE0-449D-BDFA-502D927FFE89}" type="datetimeFigureOut">
               <a:rPr lang="zh-CN" altLang="en-US" smtClean="0"/>
               <a:t>2024/3/10</a:t>
             </a:fld>
@@ -2915,7 +2915,7 @@
           <p:cNvPr id="5" name="页脚占位符 4">
             <a:extLst>
               <a:ext uri="{FF2B5EF4-FFF2-40B4-BE49-F238E27FC236}">
-                <a16:creationId xmlns:a16="http://schemas.microsoft.com/office/drawing/2014/main" id="{40DDA911-032C-EC79-7A75-09347253E70F}"/>
+                <a16:creationId xmlns:a16="http://schemas.microsoft.com/office/drawing/2014/main" id="{DA4C08B0-193D-4158-74D5-6E6F1C27FDC0}"/>
               </a:ext>
             </a:extLst>
           </p:cNvPr>
@@ -2958,7 +2958,7 @@
           <p:cNvPr id="6" name="灯片编号占位符 5">
             <a:extLst>
               <a:ext uri="{FF2B5EF4-FFF2-40B4-BE49-F238E27FC236}">
-                <a16:creationId xmlns:a16="http://schemas.microsoft.com/office/drawing/2014/main" id="{855E845D-9BA3-8B5C-7F32-E31C774BF62B}"/>
+                <a16:creationId xmlns:a16="http://schemas.microsoft.com/office/drawing/2014/main" id="{1A212CFB-4E60-89AE-162E-C4BA4224A1D4}"/>
               </a:ext>
             </a:extLst>
           </p:cNvPr>
@@ -2992,7 +2992,7 @@
             </a:lvl1pPr>
           </a:lstStyle>
           <a:p>
-            <a:fld id="{48A4086E-9E1B-4838-84CD-1EBFDF61482F}" type="slidenum">
+            <a:fld id="{91430E07-6FFF-49A6-809F-E449346A05C6}" type="slidenum">
               <a:rPr lang="zh-CN" altLang="en-US" smtClean="0"/>
               <a:t>‹#›</a:t>
             </a:fld>
@@ -3003,7 +3003,7 @@
     </p:spTree>
     <p:extLst>
       <p:ext uri="{BB962C8B-B14F-4D97-AF65-F5344CB8AC3E}">
-        <p14:creationId xmlns:p14="http://schemas.microsoft.com/office/powerpoint/2010/main" val="1152694556"/>
+        <p14:creationId xmlns:p14="http://schemas.microsoft.com/office/powerpoint/2010/main" val="4276116152"/>
       </p:ext>
     </p:extLst>
   </p:cSld>
